--- a/Report.pptx
+++ b/Report.pptx
@@ -35,30 +35,31 @@
     <p:sldId id="280" r:id="rId31"/>
     <p:sldId id="281" r:id="rId32"/>
     <p:sldId id="282" r:id="rId33"/>
+    <p:sldId id="283" r:id="rId34"/>
   </p:sldIdLst>
   <p:sldSz cy="5143500" cx="9144000"/>
   <p:notesSz cx="6858000" cy="9144000"/>
   <p:embeddedFontLst>
     <p:embeddedFont>
       <p:font typeface="Roboto"/>
-      <p:regular r:id="rId34"/>
-      <p:bold r:id="rId35"/>
-      <p:italic r:id="rId36"/>
-      <p:boldItalic r:id="rId37"/>
+      <p:regular r:id="rId35"/>
+      <p:bold r:id="rId36"/>
+      <p:italic r:id="rId37"/>
+      <p:boldItalic r:id="rId38"/>
     </p:embeddedFont>
     <p:embeddedFont>
       <p:font typeface="Quattrocento Sans"/>
-      <p:regular r:id="rId38"/>
-      <p:bold r:id="rId39"/>
-      <p:italic r:id="rId40"/>
-      <p:boldItalic r:id="rId41"/>
+      <p:regular r:id="rId39"/>
+      <p:bold r:id="rId40"/>
+      <p:italic r:id="rId41"/>
+      <p:boldItalic r:id="rId42"/>
     </p:embeddedFont>
     <p:embeddedFont>
       <p:font typeface="Helvetica Neue"/>
-      <p:regular r:id="rId42"/>
-      <p:bold r:id="rId43"/>
-      <p:italic r:id="rId44"/>
-      <p:boldItalic r:id="rId45"/>
+      <p:regular r:id="rId43"/>
+      <p:bold r:id="rId44"/>
+      <p:italic r:id="rId45"/>
+      <p:boldItalic r:id="rId46"/>
     </p:embeddedFont>
   </p:embeddedFontLst>
   <p:defaultTextStyle>
@@ -306,7 +307,7 @@
       </p15:sldGuideLst>
     </p:ext>
     <p:ext uri="GoogleSlidesCustomDataVersion2">
-      <go:slidesCustomData xmlns:go="http://customooxmlschemas.google.com/" r:id="rId46" roundtripDataSignature="AMtx7mhmqLoRZgH8chPTI7FQSVuNNejIbw=="/>
+      <go:slidesCustomData xmlns:go="http://customooxmlschemas.google.com/" r:id="rId47" roundtripDataSignature="AMtx7mh/AHnFMhxWDlbXK4XwIy1a4QaAXA=="/>
     </p:ext>
   </p:extLst>
 </p:presentation>
@@ -2998,7 +2999,7 @@
       </p:grpSpPr>
       <p:sp>
         <p:nvSpPr>
-          <p:cNvPr id="324" name="Google Shape;324;g3159ad7650b_0_160:notes"/>
+          <p:cNvPr id="324" name="Google Shape;324;g3138bb91fe7_0_0:notes"/>
           <p:cNvSpPr/>
           <p:nvPr>
             <p:ph idx="2" type="sldImg"/>
@@ -3043,7 +3044,7 @@
       </p:sp>
       <p:sp>
         <p:nvSpPr>
-          <p:cNvPr id="325" name="Google Shape;325;g3159ad7650b_0_160:notes"/>
+          <p:cNvPr id="325" name="Google Shape;325;g3138bb91fe7_0_0:notes"/>
           <p:cNvSpPr txBox="1"/>
           <p:nvPr>
             <p:ph idx="1" type="body"/>
@@ -3101,7 +3102,7 @@
   <p:cSld>
     <p:spTree>
       <p:nvGrpSpPr>
-        <p:cNvPr id="330" name="Shape 330"/>
+        <p:cNvPr id="329" name="Shape 329"/>
         <p:cNvGrpSpPr/>
         <p:nvPr/>
       </p:nvGrpSpPr>
@@ -3115,7 +3116,7 @@
       </p:grpSpPr>
       <p:sp>
         <p:nvSpPr>
-          <p:cNvPr id="331" name="Google Shape;331;g3159ad7650b_0_167:notes"/>
+          <p:cNvPr id="330" name="Google Shape;330;g3159ad7650b_0_160:notes"/>
           <p:cNvSpPr/>
           <p:nvPr>
             <p:ph idx="2" type="sldImg"/>
@@ -3160,7 +3161,124 @@
       </p:sp>
       <p:sp>
         <p:nvSpPr>
-          <p:cNvPr id="332" name="Google Shape;332;g3159ad7650b_0_167:notes"/>
+          <p:cNvPr id="331" name="Google Shape;331;g3159ad7650b_0_160:notes"/>
+          <p:cNvSpPr txBox="1"/>
+          <p:nvPr>
+            <p:ph idx="1" type="body"/>
+          </p:nvPr>
+        </p:nvSpPr>
+        <p:spPr>
+          <a:xfrm>
+            <a:off x="685800" y="4343400"/>
+            <a:ext cx="5486400" cy="4114800"/>
+          </a:xfrm>
+          <a:prstGeom prst="rect">
+            <a:avLst/>
+          </a:prstGeom>
+          <a:noFill/>
+          <a:ln>
+            <a:noFill/>
+          </a:ln>
+        </p:spPr>
+        <p:txBody>
+          <a:bodyPr anchorCtr="0" anchor="t" bIns="91425" lIns="91425" spcFirstLastPara="1" rIns="91425" wrap="square" tIns="91425">
+            <a:noAutofit/>
+          </a:bodyPr>
+          <a:lstStyle/>
+          <a:p>
+            <a:pPr indent="0" lvl="0" marL="0" rtl="0" algn="l">
+              <a:lnSpc>
+                <a:spcPct val="100000"/>
+              </a:lnSpc>
+              <a:spcBef>
+                <a:spcPts val="0"/>
+              </a:spcBef>
+              <a:spcAft>
+                <a:spcPts val="0"/>
+              </a:spcAft>
+              <a:buSzPts val="1100"/>
+              <a:buNone/>
+            </a:pPr>
+            <a:r>
+              <a:t/>
+            </a:r>
+            <a:endParaRPr/>
+          </a:p>
+        </p:txBody>
+      </p:sp>
+    </p:spTree>
+  </p:cSld>
+  <p:clrMapOvr>
+    <a:masterClrMapping/>
+  </p:clrMapOvr>
+</p:notes>
+</file>
+
+<file path=ppt/notesSlides/notesSlide28.xml><?xml version="1.0" encoding="utf-8"?>
+<p:notes xmlns:a="http://schemas.openxmlformats.org/drawingml/2006/main" xmlns:r="http://schemas.openxmlformats.org/officeDocument/2006/relationships" xmlns:mc="http://schemas.openxmlformats.org/markup-compatibility/2006" xmlns:mv="urn:schemas-microsoft-com:mac:vml" xmlns:p="http://schemas.openxmlformats.org/presentationml/2006/main" xmlns:c="http://schemas.openxmlformats.org/drawingml/2006/chart" xmlns:dgm="http://schemas.openxmlformats.org/drawingml/2006/diagram" xmlns:o="urn:schemas-microsoft-com:office:office" xmlns:v="urn:schemas-microsoft-com:vml" xmlns:pvml="urn:schemas-microsoft-com:office:powerpoint" xmlns:com="http://schemas.openxmlformats.org/drawingml/2006/compatibility" xmlns:p14="http://schemas.microsoft.com/office/powerpoint/2010/main" xmlns:p15="http://schemas.microsoft.com/office/powerpoint/2012/main" xmlns:ahyp="http://schemas.microsoft.com/office/drawing/2018/hyperlinkcolor" showMasterPhAnim="0" showMasterSp="0">
+  <p:cSld>
+    <p:spTree>
+      <p:nvGrpSpPr>
+        <p:cNvPr id="336" name="Shape 336"/>
+        <p:cNvGrpSpPr/>
+        <p:nvPr/>
+      </p:nvGrpSpPr>
+      <p:grpSpPr>
+        <a:xfrm>
+          <a:off x="0" y="0"/>
+          <a:ext cx="0" cy="0"/>
+          <a:chOff x="0" y="0"/>
+          <a:chExt cx="0" cy="0"/>
+        </a:xfrm>
+      </p:grpSpPr>
+      <p:sp>
+        <p:nvSpPr>
+          <p:cNvPr id="337" name="Google Shape;337;g3159ad7650b_0_167:notes"/>
+          <p:cNvSpPr/>
+          <p:nvPr>
+            <p:ph idx="2" type="sldImg"/>
+          </p:nvPr>
+        </p:nvSpPr>
+        <p:spPr>
+          <a:xfrm>
+            <a:off x="381300" y="685800"/>
+            <a:ext cx="6096000" cy="3429000"/>
+          </a:xfrm>
+          <a:custGeom>
+            <a:rect b="b" l="l" r="r" t="t"/>
+            <a:pathLst>
+              <a:path extrusionOk="0" h="120000" w="120000">
+                <a:moveTo>
+                  <a:pt x="0" y="0"/>
+                </a:moveTo>
+                <a:lnTo>
+                  <a:pt x="120000" y="0"/>
+                </a:lnTo>
+                <a:lnTo>
+                  <a:pt x="120000" y="120000"/>
+                </a:lnTo>
+                <a:lnTo>
+                  <a:pt x="0" y="120000"/>
+                </a:lnTo>
+                <a:close/>
+              </a:path>
+            </a:pathLst>
+          </a:custGeom>
+          <a:noFill/>
+          <a:ln cap="flat" cmpd="sng" w="9525">
+            <a:solidFill>
+              <a:srgbClr val="000000"/>
+            </a:solidFill>
+            <a:prstDash val="solid"/>
+            <a:round/>
+            <a:headEnd len="sm" w="sm" type="none"/>
+            <a:tailEnd len="sm" w="sm" type="none"/>
+          </a:ln>
+        </p:spPr>
+      </p:sp>
+      <p:sp>
+        <p:nvSpPr>
+          <p:cNvPr id="338" name="Google Shape;338;g3159ad7650b_0_167:notes"/>
           <p:cNvSpPr txBox="1"/>
           <p:nvPr>
             <p:ph idx="1" type="body"/>
@@ -24699,7 +24817,7 @@
             </a:pPr>
             <a:r>
               <a:rPr lang="en"/>
-              <a:t>A1 : NumerAi </a:t>
+              <a:t>Meta Learning A1 : NumerAi </a:t>
             </a:r>
             <a:endParaRPr/>
           </a:p>
@@ -25225,7 +25343,7 @@
             <a:tbl>
               <a:tblPr>
                 <a:noFill/>
-                <a:tableStyleId>{AC5818ED-3077-44C9-8A3C-BF4868E4C7EC}</a:tableStyleId>
+                <a:tableStyleId>{DBAA7317-0946-446A-824B-CEF5DF345A5A}</a:tableStyleId>
               </a:tblPr>
               <a:tblGrid>
                 <a:gridCol w="1847575"/>
@@ -25395,7 +25513,7 @@
                           <a:cs typeface="Roboto"/>
                           <a:sym typeface="Roboto"/>
                         </a:rPr>
-                        <a:t>0221</a:t>
+                        <a:t>0.0221</a:t>
                       </a:r>
                       <a:endParaRPr/>
                     </a:p>
@@ -25480,7 +25598,7 @@
             <a:tbl>
               <a:tblPr>
                 <a:noFill/>
-                <a:tableStyleId>{AC5818ED-3077-44C9-8A3C-BF4868E4C7EC}</a:tableStyleId>
+                <a:tableStyleId>{DBAA7317-0946-446A-824B-CEF5DF345A5A}</a:tableStyleId>
               </a:tblPr>
               <a:tblGrid>
                 <a:gridCol w="1231725"/>
@@ -33394,7 +33512,7 @@
             <a:tbl>
               <a:tblPr>
                 <a:noFill/>
-                <a:tableStyleId>{AC5818ED-3077-44C9-8A3C-BF4868E4C7EC}</a:tableStyleId>
+                <a:tableStyleId>{DBAA7317-0946-446A-824B-CEF5DF345A5A}</a:tableStyleId>
               </a:tblPr>
               <a:tblGrid>
                 <a:gridCol w="2413000"/>
@@ -33562,7 +33680,7 @@
             <a:tbl>
               <a:tblPr>
                 <a:noFill/>
-                <a:tableStyleId>{AC5818ED-3077-44C9-8A3C-BF4868E4C7EC}</a:tableStyleId>
+                <a:tableStyleId>{DBAA7317-0946-446A-824B-CEF5DF345A5A}</a:tableStyleId>
               </a:tblPr>
               <a:tblGrid>
                 <a:gridCol w="1206500"/>
@@ -35117,7 +35235,7 @@
       </p:grpSpPr>
       <p:sp>
         <p:nvSpPr>
-          <p:cNvPr id="327" name="Google Shape;327;g3159ad7650b_0_160"/>
+          <p:cNvPr id="327" name="Google Shape;327;g3138bb91fe7_0_0"/>
           <p:cNvSpPr txBox="1"/>
           <p:nvPr>
             <p:ph type="title"/>
@@ -35157,7 +35275,7 @@
             </a:pPr>
             <a:r>
               <a:rPr lang="en"/>
-              <a:t>Rankings</a:t>
+              <a:t>Best Results</a:t>
             </a:r>
             <a:endParaRPr/>
           </a:p>
@@ -35165,7 +35283,108 @@
       </p:sp>
       <p:pic>
         <p:nvPicPr>
-          <p:cNvPr id="328" name="Google Shape;328;g3159ad7650b_0_160"/>
+          <p:cNvPr id="328" name="Google Shape;328;g3138bb91fe7_0_0"/>
+          <p:cNvPicPr preferRelativeResize="0"/>
+          <p:nvPr/>
+        </p:nvPicPr>
+        <p:blipFill>
+          <a:blip r:embed="rId3">
+            <a:alphaModFix/>
+          </a:blip>
+          <a:stretch>
+            <a:fillRect/>
+          </a:stretch>
+        </p:blipFill>
+        <p:spPr>
+          <a:xfrm>
+            <a:off x="2544125" y="1046220"/>
+            <a:ext cx="3510475" cy="3944882"/>
+          </a:xfrm>
+          <a:prstGeom prst="rect">
+            <a:avLst/>
+          </a:prstGeom>
+          <a:noFill/>
+          <a:ln>
+            <a:noFill/>
+          </a:ln>
+        </p:spPr>
+      </p:pic>
+    </p:spTree>
+  </p:cSld>
+  <p:clrMapOvr>
+    <a:masterClrMapping/>
+  </p:clrMapOvr>
+</p:sld>
+</file>
+
+<file path=ppt/slides/slide27.xml><?xml version="1.0" encoding="utf-8"?>
+<p:sld xmlns:a="http://schemas.openxmlformats.org/drawingml/2006/main" xmlns:r="http://schemas.openxmlformats.org/officeDocument/2006/relationships" xmlns:mc="http://schemas.openxmlformats.org/markup-compatibility/2006" xmlns:mv="urn:schemas-microsoft-com:mac:vml" xmlns:p="http://schemas.openxmlformats.org/presentationml/2006/main" xmlns:c="http://schemas.openxmlformats.org/drawingml/2006/chart" xmlns:dgm="http://schemas.openxmlformats.org/drawingml/2006/diagram" xmlns:o="urn:schemas-microsoft-com:office:office" xmlns:v="urn:schemas-microsoft-com:vml" xmlns:pvml="urn:schemas-microsoft-com:office:powerpoint" xmlns:com="http://schemas.openxmlformats.org/drawingml/2006/compatibility" xmlns:p14="http://schemas.microsoft.com/office/powerpoint/2010/main" xmlns:p15="http://schemas.microsoft.com/office/powerpoint/2012/main" xmlns:ahyp="http://schemas.microsoft.com/office/drawing/2018/hyperlinkcolor">
+  <p:cSld>
+    <p:spTree>
+      <p:nvGrpSpPr>
+        <p:cNvPr id="332" name="Shape 332"/>
+        <p:cNvGrpSpPr/>
+        <p:nvPr/>
+      </p:nvGrpSpPr>
+      <p:grpSpPr>
+        <a:xfrm>
+          <a:off x="0" y="0"/>
+          <a:ext cx="0" cy="0"/>
+          <a:chOff x="0" y="0"/>
+          <a:chExt cx="0" cy="0"/>
+        </a:xfrm>
+      </p:grpSpPr>
+      <p:sp>
+        <p:nvSpPr>
+          <p:cNvPr id="333" name="Google Shape;333;g3159ad7650b_0_160"/>
+          <p:cNvSpPr txBox="1"/>
+          <p:nvPr>
+            <p:ph type="title"/>
+          </p:nvPr>
+        </p:nvSpPr>
+        <p:spPr>
+          <a:xfrm>
+            <a:off x="633845" y="274320"/>
+            <a:ext cx="7084200" cy="619500"/>
+          </a:xfrm>
+          <a:prstGeom prst="rect">
+            <a:avLst/>
+          </a:prstGeom>
+          <a:noFill/>
+          <a:ln>
+            <a:noFill/>
+          </a:ln>
+        </p:spPr>
+        <p:txBody>
+          <a:bodyPr anchorCtr="0" anchor="ctr" bIns="34275" lIns="68575" spcFirstLastPara="1" rIns="68575" wrap="square" tIns="34275">
+            <a:normAutofit/>
+          </a:bodyPr>
+          <a:lstStyle/>
+          <a:p>
+            <a:pPr indent="0" lvl="0" marL="0" rtl="0" algn="l">
+              <a:lnSpc>
+                <a:spcPct val="90000"/>
+              </a:lnSpc>
+              <a:spcBef>
+                <a:spcPts val="0"/>
+              </a:spcBef>
+              <a:spcAft>
+                <a:spcPts val="0"/>
+              </a:spcAft>
+              <a:buSzPts val="1400"/>
+              <a:buNone/>
+            </a:pPr>
+            <a:r>
+              <a:rPr lang="en"/>
+              <a:t>Rankings</a:t>
+            </a:r>
+            <a:endParaRPr/>
+          </a:p>
+        </p:txBody>
+      </p:sp>
+      <p:pic>
+        <p:nvPicPr>
+          <p:cNvPr id="334" name="Google Shape;334;g3159ad7650b_0_160"/>
           <p:cNvPicPr preferRelativeResize="0"/>
           <p:nvPr/>
         </p:nvPicPr>
@@ -35193,7 +35412,7 @@
       </p:pic>
       <p:pic>
         <p:nvPicPr>
-          <p:cNvPr id="329" name="Google Shape;329;g3159ad7650b_0_160"/>
+          <p:cNvPr id="335" name="Google Shape;335;g3159ad7650b_0_160"/>
           <p:cNvPicPr preferRelativeResize="0"/>
           <p:nvPr/>
         </p:nvPicPr>
@@ -35227,12 +35446,12 @@
 </p:sld>
 </file>
 
-<file path=ppt/slides/slide27.xml><?xml version="1.0" encoding="utf-8"?>
+<file path=ppt/slides/slide28.xml><?xml version="1.0" encoding="utf-8"?>
 <p:sld xmlns:a="http://schemas.openxmlformats.org/drawingml/2006/main" xmlns:r="http://schemas.openxmlformats.org/officeDocument/2006/relationships" xmlns:mc="http://schemas.openxmlformats.org/markup-compatibility/2006" xmlns:mv="urn:schemas-microsoft-com:mac:vml" xmlns:p="http://schemas.openxmlformats.org/presentationml/2006/main" xmlns:c="http://schemas.openxmlformats.org/drawingml/2006/chart" xmlns:dgm="http://schemas.openxmlformats.org/drawingml/2006/diagram" xmlns:o="urn:schemas-microsoft-com:office:office" xmlns:v="urn:schemas-microsoft-com:vml" xmlns:pvml="urn:schemas-microsoft-com:office:powerpoint" xmlns:com="http://schemas.openxmlformats.org/drawingml/2006/compatibility" xmlns:p14="http://schemas.microsoft.com/office/powerpoint/2010/main" xmlns:p15="http://schemas.microsoft.com/office/powerpoint/2012/main" xmlns:ahyp="http://schemas.microsoft.com/office/drawing/2018/hyperlinkcolor">
   <p:cSld>
     <p:spTree>
       <p:nvGrpSpPr>
-        <p:cNvPr id="333" name="Shape 333"/>
+        <p:cNvPr id="339" name="Shape 339"/>
         <p:cNvGrpSpPr/>
         <p:nvPr/>
       </p:nvGrpSpPr>
@@ -35246,7 +35465,7 @@
       </p:grpSpPr>
       <p:sp>
         <p:nvSpPr>
-          <p:cNvPr id="334" name="Google Shape;334;g3159ad7650b_0_167"/>
+          <p:cNvPr id="340" name="Google Shape;340;g3159ad7650b_0_167"/>
           <p:cNvSpPr txBox="1"/>
           <p:nvPr>
             <p:ph type="title"/>
@@ -35294,7 +35513,7 @@
       </p:sp>
       <p:sp>
         <p:nvSpPr>
-          <p:cNvPr id="335" name="Google Shape;335;g3159ad7650b_0_167"/>
+          <p:cNvPr id="341" name="Google Shape;341;g3159ad7650b_0_167"/>
           <p:cNvSpPr txBox="1"/>
           <p:nvPr/>
         </p:nvSpPr>
@@ -38600,6 +38819,285 @@
 </file>
 
 <file path=ppt/theme/theme1.xml><?xml version="1.0" encoding="utf-8"?>
+<a:theme xmlns:a="http://schemas.openxmlformats.org/drawingml/2006/main" xmlns:r="http://schemas.openxmlformats.org/officeDocument/2006/relationships" name="Office Theme">
+  <a:themeElements>
+    <a:clrScheme name="Office">
+      <a:dk1>
+        <a:srgbClr val="000000"/>
+      </a:dk1>
+      <a:lt1>
+        <a:srgbClr val="FFFFFF"/>
+      </a:lt1>
+      <a:dk2>
+        <a:srgbClr val="44546A"/>
+      </a:dk2>
+      <a:lt2>
+        <a:srgbClr val="E7E6E6"/>
+      </a:lt2>
+      <a:accent1>
+        <a:srgbClr val="5B9BD5"/>
+      </a:accent1>
+      <a:accent2>
+        <a:srgbClr val="ED7D31"/>
+      </a:accent2>
+      <a:accent3>
+        <a:srgbClr val="A5A5A5"/>
+      </a:accent3>
+      <a:accent4>
+        <a:srgbClr val="FFC000"/>
+      </a:accent4>
+      <a:accent5>
+        <a:srgbClr val="4472C4"/>
+      </a:accent5>
+      <a:accent6>
+        <a:srgbClr val="70AD47"/>
+      </a:accent6>
+      <a:hlink>
+        <a:srgbClr val="0563C1"/>
+      </a:hlink>
+      <a:folHlink>
+        <a:srgbClr val="954F72"/>
+      </a:folHlink>
+    </a:clrScheme>
+    <a:fontScheme name="Office">
+      <a:majorFont>
+        <a:latin typeface="Arial"/>
+        <a:ea typeface=""/>
+        <a:cs typeface=""/>
+        <a:font script="Jpan" typeface="ＭＳ Ｐゴシック"/>
+        <a:font script="Hang" typeface="맑은 고딕"/>
+        <a:font script="Hans" typeface="宋体"/>
+        <a:font script="Hant" typeface="新細明體"/>
+        <a:font script="Arab" typeface="Times New Roman"/>
+        <a:font script="Hebr" typeface="Times New Roman"/>
+        <a:font script="Thai" typeface="Angsana New"/>
+        <a:font script="Ethi" typeface="Nyala"/>
+        <a:font script="Beng" typeface="Vrinda"/>
+        <a:font script="Gujr" typeface="Shruti"/>
+        <a:font script="Khmr" typeface="MoolBoran"/>
+        <a:font script="Knda" typeface="Tunga"/>
+        <a:font script="Guru" typeface="Raavi"/>
+        <a:font script="Cans" typeface="Euphemia"/>
+        <a:font script="Cher" typeface="Plantagenet Cherokee"/>
+        <a:font script="Yiii" typeface="Microsoft Yi Baiti"/>
+        <a:font script="Tibt" typeface="Microsoft Himalaya"/>
+        <a:font script="Thaa" typeface="MV Boli"/>
+        <a:font script="Deva" typeface="Mangal"/>
+        <a:font script="Telu" typeface="Gautami"/>
+        <a:font script="Taml" typeface="Latha"/>
+        <a:font script="Syrc" typeface="Estrangelo Edessa"/>
+        <a:font script="Orya" typeface="Kalinga"/>
+        <a:font script="Mlym" typeface="Kartika"/>
+        <a:font script="Laoo" typeface="DokChampa"/>
+        <a:font script="Sinh" typeface="Iskoola Pota"/>
+        <a:font script="Mong" typeface="Mongolian Baiti"/>
+        <a:font script="Viet" typeface="Times New Roman"/>
+        <a:font script="Uigh" typeface="Microsoft Uighur"/>
+        <a:font script="Geor" typeface="Sylfaen"/>
+      </a:majorFont>
+      <a:minorFont>
+        <a:latin typeface="Arial"/>
+        <a:ea typeface=""/>
+        <a:cs typeface=""/>
+        <a:font script="Jpan" typeface="ＭＳ Ｐゴシック"/>
+        <a:font script="Hang" typeface="맑은 고딕"/>
+        <a:font script="Hans" typeface="宋体"/>
+        <a:font script="Hant" typeface="新細明體"/>
+        <a:font script="Arab" typeface="Arial"/>
+        <a:font script="Hebr" typeface="Arial"/>
+        <a:font script="Thai" typeface="Cordia New"/>
+        <a:font script="Ethi" typeface="Nyala"/>
+        <a:font script="Beng" typeface="Vrinda"/>
+        <a:font script="Gujr" typeface="Shruti"/>
+        <a:font script="Khmr" typeface="DaunPenh"/>
+        <a:font script="Knda" typeface="Tunga"/>
+        <a:font script="Guru" typeface="Raavi"/>
+        <a:font script="Cans" typeface="Euphemia"/>
+        <a:font script="Cher" typeface="Plantagenet Cherokee"/>
+        <a:font script="Yiii" typeface="Microsoft Yi Baiti"/>
+        <a:font script="Tibt" typeface="Microsoft Himalaya"/>
+        <a:font script="Thaa" typeface="MV Boli"/>
+        <a:font script="Deva" typeface="Mangal"/>
+        <a:font script="Telu" typeface="Gautami"/>
+        <a:font script="Taml" typeface="Latha"/>
+        <a:font script="Syrc" typeface="Estrangelo Edessa"/>
+        <a:font script="Orya" typeface="Kalinga"/>
+        <a:font script="Mlym" typeface="Kartika"/>
+        <a:font script="Laoo" typeface="DokChampa"/>
+        <a:font script="Sinh" typeface="Iskoola Pota"/>
+        <a:font script="Mong" typeface="Mongolian Baiti"/>
+        <a:font script="Viet" typeface="Arial"/>
+        <a:font script="Uigh" typeface="Microsoft Uighur"/>
+        <a:font script="Geor" typeface="Sylfaen"/>
+      </a:minorFont>
+    </a:fontScheme>
+    <a:fmtScheme name="Office">
+      <a:fillStyleLst>
+        <a:solidFill>
+          <a:schemeClr val="phClr"/>
+        </a:solidFill>
+        <a:gradFill rotWithShape="1">
+          <a:gsLst>
+            <a:gs pos="0">
+              <a:schemeClr val="phClr">
+                <a:tint val="50000"/>
+                <a:satMod val="300000"/>
+              </a:schemeClr>
+            </a:gs>
+            <a:gs pos="35000">
+              <a:schemeClr val="phClr">
+                <a:tint val="37000"/>
+                <a:satMod val="300000"/>
+              </a:schemeClr>
+            </a:gs>
+            <a:gs pos="100000">
+              <a:schemeClr val="phClr">
+                <a:tint val="15000"/>
+                <a:satMod val="350000"/>
+              </a:schemeClr>
+            </a:gs>
+          </a:gsLst>
+          <a:lin ang="16200000" scaled="1"/>
+        </a:gradFill>
+        <a:gradFill rotWithShape="1">
+          <a:gsLst>
+            <a:gs pos="0">
+              <a:schemeClr val="phClr">
+                <a:tint val="100000"/>
+                <a:shade val="100000"/>
+                <a:satMod val="130000"/>
+              </a:schemeClr>
+            </a:gs>
+            <a:gs pos="100000">
+              <a:schemeClr val="phClr">
+                <a:tint val="50000"/>
+                <a:shade val="100000"/>
+                <a:satMod val="350000"/>
+              </a:schemeClr>
+            </a:gs>
+          </a:gsLst>
+          <a:lin ang="16200000" scaled="0"/>
+        </a:gradFill>
+      </a:fillStyleLst>
+      <a:lnStyleLst>
+        <a:ln w="9525" cap="flat" cmpd="sng" algn="ctr">
+          <a:solidFill>
+            <a:schemeClr val="phClr">
+              <a:shade val="95000"/>
+              <a:satMod val="105000"/>
+            </a:schemeClr>
+          </a:solidFill>
+          <a:prstDash val="solid"/>
+        </a:ln>
+        <a:ln w="25400" cap="flat" cmpd="sng" algn="ctr">
+          <a:solidFill>
+            <a:schemeClr val="phClr"/>
+          </a:solidFill>
+          <a:prstDash val="solid"/>
+        </a:ln>
+        <a:ln w="38100" cap="flat" cmpd="sng" algn="ctr">
+          <a:solidFill>
+            <a:schemeClr val="phClr"/>
+          </a:solidFill>
+          <a:prstDash val="solid"/>
+        </a:ln>
+      </a:lnStyleLst>
+      <a:effectStyleLst>
+        <a:effectStyle>
+          <a:effectLst>
+            <a:outerShdw blurRad="40000" dist="20000" dir="5400000" rotWithShape="0">
+              <a:srgbClr val="000000">
+                <a:alpha val="38000"/>
+              </a:srgbClr>
+            </a:outerShdw>
+          </a:effectLst>
+        </a:effectStyle>
+        <a:effectStyle>
+          <a:effectLst>
+            <a:outerShdw blurRad="40000" dist="23000" dir="5400000" rotWithShape="0">
+              <a:srgbClr val="000000">
+                <a:alpha val="35000"/>
+              </a:srgbClr>
+            </a:outerShdw>
+          </a:effectLst>
+        </a:effectStyle>
+        <a:effectStyle>
+          <a:effectLst>
+            <a:outerShdw blurRad="40000" dist="23000" dir="5400000" rotWithShape="0">
+              <a:srgbClr val="000000">
+                <a:alpha val="35000"/>
+              </a:srgbClr>
+            </a:outerShdw>
+          </a:effectLst>
+          <a:scene3d>
+            <a:camera prst="orthographicFront">
+              <a:rot lat="0" lon="0" rev="0"/>
+            </a:camera>
+            <a:lightRig rig="threePt" dir="t">
+              <a:rot lat="0" lon="0" rev="1200000"/>
+            </a:lightRig>
+          </a:scene3d>
+          <a:sp3d>
+            <a:bevelT w="63500" h="25400"/>
+          </a:sp3d>
+        </a:effectStyle>
+      </a:effectStyleLst>
+      <a:bgFillStyleLst>
+        <a:solidFill>
+          <a:schemeClr val="phClr"/>
+        </a:solidFill>
+        <a:gradFill rotWithShape="1">
+          <a:gsLst>
+            <a:gs pos="0">
+              <a:schemeClr val="phClr">
+                <a:tint val="40000"/>
+                <a:satMod val="350000"/>
+              </a:schemeClr>
+            </a:gs>
+            <a:gs pos="40000">
+              <a:schemeClr val="phClr">
+                <a:tint val="45000"/>
+                <a:shade val="99000"/>
+                <a:satMod val="350000"/>
+              </a:schemeClr>
+            </a:gs>
+            <a:gs pos="100000">
+              <a:schemeClr val="phClr">
+                <a:shade val="20000"/>
+                <a:satMod val="255000"/>
+              </a:schemeClr>
+            </a:gs>
+          </a:gsLst>
+          <a:path path="circle">
+            <a:fillToRect l="50000" t="-80000" r="50000" b="180000"/>
+          </a:path>
+        </a:gradFill>
+        <a:gradFill rotWithShape="1">
+          <a:gsLst>
+            <a:gs pos="0">
+              <a:schemeClr val="phClr">
+                <a:tint val="80000"/>
+                <a:satMod val="300000"/>
+              </a:schemeClr>
+            </a:gs>
+            <a:gs pos="100000">
+              <a:schemeClr val="phClr">
+                <a:shade val="30000"/>
+                <a:satMod val="200000"/>
+              </a:schemeClr>
+            </a:gs>
+          </a:gsLst>
+          <a:path path="circle">
+            <a:fillToRect l="50000" t="50000" r="50000" b="50000"/>
+          </a:path>
+        </a:gradFill>
+      </a:bgFillStyleLst>
+    </a:fmtScheme>
+  </a:themeElements>
+</a:theme>
+</file>
+
+<file path=ppt/theme/theme2.xml><?xml version="1.0" encoding="utf-8"?>
 <a:theme xmlns:a="http://schemas.openxmlformats.org/drawingml/2006/main" xmlns:r="http://schemas.openxmlformats.org/officeDocument/2006/relationships">
   <a:themeElements>
     <a:clrScheme name="Default">
@@ -38876,283 +39374,4 @@
     </a:fmtScheme>
   </a:themeElements>
 </a:theme>
-</file>
-
-<file path=ppt/theme/theme2.xml><?xml version="1.0" encoding="utf-8"?>
-<a:theme xmlns:a="http://schemas.openxmlformats.org/drawingml/2006/main" xmlns:r="http://schemas.openxmlformats.org/officeDocument/2006/relationships" name="Office Theme">
-  <a:themeElements>
-    <a:clrScheme name="Office">
-      <a:dk1>
-        <a:srgbClr val="000000"/>
-      </a:dk1>
-      <a:lt1>
-        <a:srgbClr val="FFFFFF"/>
-      </a:lt1>
-      <a:dk2>
-        <a:srgbClr val="44546A"/>
-      </a:dk2>
-      <a:lt2>
-        <a:srgbClr val="E7E6E6"/>
-      </a:lt2>
-      <a:accent1>
-        <a:srgbClr val="5B9BD5"/>
-      </a:accent1>
-      <a:accent2>
-        <a:srgbClr val="ED7D31"/>
-      </a:accent2>
-      <a:accent3>
-        <a:srgbClr val="A5A5A5"/>
-      </a:accent3>
-      <a:accent4>
-        <a:srgbClr val="FFC000"/>
-      </a:accent4>
-      <a:accent5>
-        <a:srgbClr val="4472C4"/>
-      </a:accent5>
-      <a:accent6>
-        <a:srgbClr val="70AD47"/>
-      </a:accent6>
-      <a:hlink>
-        <a:srgbClr val="0563C1"/>
-      </a:hlink>
-      <a:folHlink>
-        <a:srgbClr val="954F72"/>
-      </a:folHlink>
-    </a:clrScheme>
-    <a:fontScheme name="Office">
-      <a:majorFont>
-        <a:latin typeface="Arial"/>
-        <a:ea typeface=""/>
-        <a:cs typeface=""/>
-        <a:font script="Jpan" typeface="ＭＳ Ｐゴシック"/>
-        <a:font script="Hang" typeface="맑은 고딕"/>
-        <a:font script="Hans" typeface="宋体"/>
-        <a:font script="Hant" typeface="新細明體"/>
-        <a:font script="Arab" typeface="Times New Roman"/>
-        <a:font script="Hebr" typeface="Times New Roman"/>
-        <a:font script="Thai" typeface="Angsana New"/>
-        <a:font script="Ethi" typeface="Nyala"/>
-        <a:font script="Beng" typeface="Vrinda"/>
-        <a:font script="Gujr" typeface="Shruti"/>
-        <a:font script="Khmr" typeface="MoolBoran"/>
-        <a:font script="Knda" typeface="Tunga"/>
-        <a:font script="Guru" typeface="Raavi"/>
-        <a:font script="Cans" typeface="Euphemia"/>
-        <a:font script="Cher" typeface="Plantagenet Cherokee"/>
-        <a:font script="Yiii" typeface="Microsoft Yi Baiti"/>
-        <a:font script="Tibt" typeface="Microsoft Himalaya"/>
-        <a:font script="Thaa" typeface="MV Boli"/>
-        <a:font script="Deva" typeface="Mangal"/>
-        <a:font script="Telu" typeface="Gautami"/>
-        <a:font script="Taml" typeface="Latha"/>
-        <a:font script="Syrc" typeface="Estrangelo Edessa"/>
-        <a:font script="Orya" typeface="Kalinga"/>
-        <a:font script="Mlym" typeface="Kartika"/>
-        <a:font script="Laoo" typeface="DokChampa"/>
-        <a:font script="Sinh" typeface="Iskoola Pota"/>
-        <a:font script="Mong" typeface="Mongolian Baiti"/>
-        <a:font script="Viet" typeface="Times New Roman"/>
-        <a:font script="Uigh" typeface="Microsoft Uighur"/>
-        <a:font script="Geor" typeface="Sylfaen"/>
-      </a:majorFont>
-      <a:minorFont>
-        <a:latin typeface="Arial"/>
-        <a:ea typeface=""/>
-        <a:cs typeface=""/>
-        <a:font script="Jpan" typeface="ＭＳ Ｐゴシック"/>
-        <a:font script="Hang" typeface="맑은 고딕"/>
-        <a:font script="Hans" typeface="宋体"/>
-        <a:font script="Hant" typeface="新細明體"/>
-        <a:font script="Arab" typeface="Arial"/>
-        <a:font script="Hebr" typeface="Arial"/>
-        <a:font script="Thai" typeface="Cordia New"/>
-        <a:font script="Ethi" typeface="Nyala"/>
-        <a:font script="Beng" typeface="Vrinda"/>
-        <a:font script="Gujr" typeface="Shruti"/>
-        <a:font script="Khmr" typeface="DaunPenh"/>
-        <a:font script="Knda" typeface="Tunga"/>
-        <a:font script="Guru" typeface="Raavi"/>
-        <a:font script="Cans" typeface="Euphemia"/>
-        <a:font script="Cher" typeface="Plantagenet Cherokee"/>
-        <a:font script="Yiii" typeface="Microsoft Yi Baiti"/>
-        <a:font script="Tibt" typeface="Microsoft Himalaya"/>
-        <a:font script="Thaa" typeface="MV Boli"/>
-        <a:font script="Deva" typeface="Mangal"/>
-        <a:font script="Telu" typeface="Gautami"/>
-        <a:font script="Taml" typeface="Latha"/>
-        <a:font script="Syrc" typeface="Estrangelo Edessa"/>
-        <a:font script="Orya" typeface="Kalinga"/>
-        <a:font script="Mlym" typeface="Kartika"/>
-        <a:font script="Laoo" typeface="DokChampa"/>
-        <a:font script="Sinh" typeface="Iskoola Pota"/>
-        <a:font script="Mong" typeface="Mongolian Baiti"/>
-        <a:font script="Viet" typeface="Arial"/>
-        <a:font script="Uigh" typeface="Microsoft Uighur"/>
-        <a:font script="Geor" typeface="Sylfaen"/>
-      </a:minorFont>
-    </a:fontScheme>
-    <a:fmtScheme name="Office">
-      <a:fillStyleLst>
-        <a:solidFill>
-          <a:schemeClr val="phClr"/>
-        </a:solidFill>
-        <a:gradFill rotWithShape="1">
-          <a:gsLst>
-            <a:gs pos="0">
-              <a:schemeClr val="phClr">
-                <a:tint val="50000"/>
-                <a:satMod val="300000"/>
-              </a:schemeClr>
-            </a:gs>
-            <a:gs pos="35000">
-              <a:schemeClr val="phClr">
-                <a:tint val="37000"/>
-                <a:satMod val="300000"/>
-              </a:schemeClr>
-            </a:gs>
-            <a:gs pos="100000">
-              <a:schemeClr val="phClr">
-                <a:tint val="15000"/>
-                <a:satMod val="350000"/>
-              </a:schemeClr>
-            </a:gs>
-          </a:gsLst>
-          <a:lin ang="16200000" scaled="1"/>
-        </a:gradFill>
-        <a:gradFill rotWithShape="1">
-          <a:gsLst>
-            <a:gs pos="0">
-              <a:schemeClr val="phClr">
-                <a:tint val="100000"/>
-                <a:shade val="100000"/>
-                <a:satMod val="130000"/>
-              </a:schemeClr>
-            </a:gs>
-            <a:gs pos="100000">
-              <a:schemeClr val="phClr">
-                <a:tint val="50000"/>
-                <a:shade val="100000"/>
-                <a:satMod val="350000"/>
-              </a:schemeClr>
-            </a:gs>
-          </a:gsLst>
-          <a:lin ang="16200000" scaled="0"/>
-        </a:gradFill>
-      </a:fillStyleLst>
-      <a:lnStyleLst>
-        <a:ln w="9525" cap="flat" cmpd="sng" algn="ctr">
-          <a:solidFill>
-            <a:schemeClr val="phClr">
-              <a:shade val="95000"/>
-              <a:satMod val="105000"/>
-            </a:schemeClr>
-          </a:solidFill>
-          <a:prstDash val="solid"/>
-        </a:ln>
-        <a:ln w="25400" cap="flat" cmpd="sng" algn="ctr">
-          <a:solidFill>
-            <a:schemeClr val="phClr"/>
-          </a:solidFill>
-          <a:prstDash val="solid"/>
-        </a:ln>
-        <a:ln w="38100" cap="flat" cmpd="sng" algn="ctr">
-          <a:solidFill>
-            <a:schemeClr val="phClr"/>
-          </a:solidFill>
-          <a:prstDash val="solid"/>
-        </a:ln>
-      </a:lnStyleLst>
-      <a:effectStyleLst>
-        <a:effectStyle>
-          <a:effectLst>
-            <a:outerShdw blurRad="40000" dist="20000" dir="5400000" rotWithShape="0">
-              <a:srgbClr val="000000">
-                <a:alpha val="38000"/>
-              </a:srgbClr>
-            </a:outerShdw>
-          </a:effectLst>
-        </a:effectStyle>
-        <a:effectStyle>
-          <a:effectLst>
-            <a:outerShdw blurRad="40000" dist="23000" dir="5400000" rotWithShape="0">
-              <a:srgbClr val="000000">
-                <a:alpha val="35000"/>
-              </a:srgbClr>
-            </a:outerShdw>
-          </a:effectLst>
-        </a:effectStyle>
-        <a:effectStyle>
-          <a:effectLst>
-            <a:outerShdw blurRad="40000" dist="23000" dir="5400000" rotWithShape="0">
-              <a:srgbClr val="000000">
-                <a:alpha val="35000"/>
-              </a:srgbClr>
-            </a:outerShdw>
-          </a:effectLst>
-          <a:scene3d>
-            <a:camera prst="orthographicFront">
-              <a:rot lat="0" lon="0" rev="0"/>
-            </a:camera>
-            <a:lightRig rig="threePt" dir="t">
-              <a:rot lat="0" lon="0" rev="1200000"/>
-            </a:lightRig>
-          </a:scene3d>
-          <a:sp3d>
-            <a:bevelT w="63500" h="25400"/>
-          </a:sp3d>
-        </a:effectStyle>
-      </a:effectStyleLst>
-      <a:bgFillStyleLst>
-        <a:solidFill>
-          <a:schemeClr val="phClr"/>
-        </a:solidFill>
-        <a:gradFill rotWithShape="1">
-          <a:gsLst>
-            <a:gs pos="0">
-              <a:schemeClr val="phClr">
-                <a:tint val="40000"/>
-                <a:satMod val="350000"/>
-              </a:schemeClr>
-            </a:gs>
-            <a:gs pos="40000">
-              <a:schemeClr val="phClr">
-                <a:tint val="45000"/>
-                <a:shade val="99000"/>
-                <a:satMod val="350000"/>
-              </a:schemeClr>
-            </a:gs>
-            <a:gs pos="100000">
-              <a:schemeClr val="phClr">
-                <a:shade val="20000"/>
-                <a:satMod val="255000"/>
-              </a:schemeClr>
-            </a:gs>
-          </a:gsLst>
-          <a:path path="circle">
-            <a:fillToRect l="50000" t="-80000" r="50000" b="180000"/>
-          </a:path>
-        </a:gradFill>
-        <a:gradFill rotWithShape="1">
-          <a:gsLst>
-            <a:gs pos="0">
-              <a:schemeClr val="phClr">
-                <a:tint val="80000"/>
-                <a:satMod val="300000"/>
-              </a:schemeClr>
-            </a:gs>
-            <a:gs pos="100000">
-              <a:schemeClr val="phClr">
-                <a:shade val="30000"/>
-                <a:satMod val="200000"/>
-              </a:schemeClr>
-            </a:gs>
-          </a:gsLst>
-          <a:path path="circle">
-            <a:fillToRect l="50000" t="50000" r="50000" b="50000"/>
-          </a:path>
-        </a:gradFill>
-      </a:bgFillStyleLst>
-    </a:fmtScheme>
-  </a:themeElements>
-</a:theme>
 </file>